--- a/Documenten/Rent A student schermen.pptx
+++ b/Documenten/Rent A student schermen.pptx
@@ -112,6 +112,11 @@
       </a:defRPr>
     </a:lvl9pPr>
   </p:defaultTextStyle>
+  <p:extLst>
+    <p:ext uri="{EFAFB233-063F-42B5-8137-9DF3F51BA10A}">
+      <p15:sldGuideLst xmlns:p15="http://schemas.microsoft.com/office/powerpoint/2012/main"/>
+    </p:ext>
+  </p:extLst>
 </p:presentation>
 </file>
 
@@ -4638,7 +4643,7 @@
     <p:bg>
       <p:bgPr>
         <a:solidFill>
-          <a:srgbClr val="418AB3"/>
+          <a:schemeClr val="accent2"/>
         </a:solidFill>
         <a:effectLst/>
       </p:bgPr>
@@ -4673,13 +4678,24 @@
             <p:ph type="title"/>
           </p:nvPr>
         </p:nvSpPr>
-        <p:spPr/>
-        <p:txBody>
-          <a:bodyPr/>
-          <a:lstStyle/>
-          <a:p>
-            <a:r>
-              <a:rPr lang="en-US" dirty="0"/>
+        <p:spPr>
+          <a:xfrm>
+            <a:off x="804672" y="2404872"/>
+            <a:ext cx="3044950" cy="1627792"/>
+          </a:xfrm>
+        </p:spPr>
+        <p:txBody>
+          <a:bodyPr vert="horz" lIns="274320" tIns="182880" rIns="274320" bIns="182880" rtlCol="0" anchor="ctr" anchorCtr="1">
+            <a:normAutofit/>
+          </a:bodyPr>
+          <a:lstStyle/>
+          <a:p>
+            <a:r>
+              <a:rPr lang="en-US">
+                <a:solidFill>
+                  <a:srgbClr val="262626"/>
+                </a:solidFill>
+              </a:rPr>
               <a:t>ERD</a:t>
             </a:r>
           </a:p>
@@ -4701,11 +4717,21 @@
             <p:ph idx="1"/>
           </p:nvPr>
         </p:nvSpPr>
-        <p:spPr/>
-        <p:txBody>
-          <a:bodyPr/>
-          <a:lstStyle/>
-          <a:p>
+        <p:spPr>
+          <a:xfrm>
+            <a:off x="1121822" y="4352544"/>
+            <a:ext cx="2410650" cy="1239894"/>
+          </a:xfrm>
+        </p:spPr>
+        <p:txBody>
+          <a:bodyPr vert="horz" lIns="91440" tIns="45720" rIns="91440" bIns="45720" rtlCol="0">
+            <a:normAutofit/>
+          </a:bodyPr>
+          <a:lstStyle/>
+          <a:p>
+            <a:pPr marL="0" indent="0" algn="ctr">
+              <a:buNone/>
+            </a:pPr>
             <a:r>
               <a:rPr lang="en-US" dirty="0" err="1">
                 <a:solidFill>
@@ -4757,19 +4783,123 @@
             <p:ph type="ftr" sz="quarter" idx="11"/>
           </p:nvPr>
         </p:nvSpPr>
-        <p:spPr/>
-        <p:txBody>
-          <a:bodyPr/>
-          <a:lstStyle/>
-          <a:p>
+        <p:spPr>
+          <a:xfrm>
+            <a:off x="804672" y="6224660"/>
+            <a:ext cx="3705203" cy="313300"/>
+          </a:xfrm>
+        </p:spPr>
+        <p:txBody>
+          <a:bodyPr vert="horz" lIns="91440" tIns="45720" rIns="91440" bIns="45720" rtlCol="0" anchor="ctr">
+            <a:normAutofit/>
+          </a:bodyPr>
+          <a:lstStyle/>
+          <a:p>
+            <a:pPr>
+              <a:spcAft>
+                <a:spcPts val="600"/>
+              </a:spcAft>
+            </a:pPr>
             <a:r>
               <a:rPr lang="en-US"/>
               <a:t>Rent A student          Jay owen Lub &amp; Nuha Camara</a:t>
             </a:r>
-            <a:endParaRPr lang="en-US" dirty="0"/>
-          </a:p>
-        </p:txBody>
-      </p:sp>
+          </a:p>
+        </p:txBody>
+      </p:sp>
+      <p:sp>
+        <p:nvSpPr>
+          <p:cNvPr id="11" name="Rectangle 10">
+            <a:extLst>
+              <a:ext uri="{FF2B5EF4-FFF2-40B4-BE49-F238E27FC236}">
+                <a16:creationId xmlns:a16="http://schemas.microsoft.com/office/drawing/2014/main" id="{ED6F0A31-5407-4EFA-9DFA-67E942682962}"/>
+              </a:ext>
+              <a:ext uri="{C183D7F6-B498-43B3-948B-1728B52AA6E4}">
+                <adec:decorative xmlns:adec="http://schemas.microsoft.com/office/drawing/2017/decorative" val="1"/>
+              </a:ext>
+            </a:extLst>
+          </p:cNvPr>
+          <p:cNvSpPr>
+            <a:spLocks noGrp="1" noRot="1" noChangeAspect="1" noMove="1" noResize="1" noEditPoints="1" noAdjustHandles="1" noChangeArrowheads="1" noChangeShapeType="1" noTextEdit="1"/>
+          </p:cNvSpPr>
+          <p:nvPr>
+            <p:extLst>
+              <p:ext uri="{386F3935-93C4-4BCD-93E2-E3B085C9AB24}">
+                <p16:designElem xmlns:p16="http://schemas.microsoft.com/office/powerpoint/2015/main" val="1"/>
+              </p:ext>
+            </p:extLst>
+          </p:nvPr>
+        </p:nvSpPr>
+        <p:spPr>
+          <a:xfrm>
+            <a:off x="4654296" y="0"/>
+            <a:ext cx="7537703" cy="6858000"/>
+          </a:xfrm>
+          <a:prstGeom prst="rect">
+            <a:avLst/>
+          </a:prstGeom>
+          <a:solidFill>
+            <a:srgbClr val="FFFFFF"/>
+          </a:solidFill>
+          <a:ln>
+            <a:noFill/>
+          </a:ln>
+        </p:spPr>
+        <p:style>
+          <a:lnRef idx="2">
+            <a:schemeClr val="accent1">
+              <a:shade val="50000"/>
+            </a:schemeClr>
+          </a:lnRef>
+          <a:fillRef idx="1">
+            <a:schemeClr val="accent1"/>
+          </a:fillRef>
+          <a:effectRef idx="0">
+            <a:schemeClr val="accent1"/>
+          </a:effectRef>
+          <a:fontRef idx="minor">
+            <a:schemeClr val="lt1"/>
+          </a:fontRef>
+        </p:style>
+        <p:txBody>
+          <a:bodyPr rtlCol="0" anchor="ctr"/>
+          <a:lstStyle/>
+          <a:p>
+            <a:pPr algn="ctr"/>
+            <a:endParaRPr lang="en-US"/>
+          </a:p>
+        </p:txBody>
+      </p:sp>
+      <p:pic>
+        <p:nvPicPr>
+          <p:cNvPr id="6" name="Afbeelding 5" descr="Afbeelding met tekst&#10;&#10;Automatisch gegenereerde beschrijving">
+            <a:extLst>
+              <a:ext uri="{FF2B5EF4-FFF2-40B4-BE49-F238E27FC236}">
+                <a16:creationId xmlns:a16="http://schemas.microsoft.com/office/drawing/2014/main" id="{A96E5007-1327-4419-8C35-3CF2DBCA1A3E}"/>
+              </a:ext>
+            </a:extLst>
+          </p:cNvPr>
+          <p:cNvPicPr>
+            <a:picLocks noChangeAspect="1"/>
+          </p:cNvPicPr>
+          <p:nvPr/>
+        </p:nvPicPr>
+        <p:blipFill>
+          <a:blip r:embed="rId2"/>
+          <a:stretch>
+            <a:fillRect/>
+          </a:stretch>
+        </p:blipFill>
+        <p:spPr>
+          <a:xfrm>
+            <a:off x="4654295" y="692931"/>
+            <a:ext cx="7537703" cy="4899507"/>
+          </a:xfrm>
+          <a:prstGeom prst="rect">
+            <a:avLst/>
+          </a:prstGeom>
+        </p:spPr>
+      </p:pic>
     </p:spTree>
     <p:extLst>
       <p:ext uri="{BB962C8B-B14F-4D97-AF65-F5344CB8AC3E}">
